--- a/Hospital Supply Analysis.pptx
+++ b/Hospital Supply Analysis.pptx
@@ -104,6 +104,11 @@
       </a:defRPr>
     </a:lvl9pPr>
   </p:defaultTextStyle>
+  <p:extLst>
+    <p:ext uri="{EFAFB233-063F-42B5-8137-9DF3F51BA10A}">
+      <p15:sldGuideLst xmlns:p15="http://schemas.microsoft.com/office/powerpoint/2012/main"/>
+    </p:ext>
+  </p:extLst>
 </p:presentation>
 </file>
 
@@ -3372,7 +3377,15 @@
           <a:p>
             <a:r>
               <a:rPr lang="en-US" dirty="0"/>
-              <a:t>By: Naveen Prabakar, (add your names)</a:t>
+              <a:t>By: Naveen Prabakar, </a:t>
+            </a:r>
+            <a:r>
+              <a:rPr lang="en-US"/>
+              <a:t>Riza Danurdoro (</a:t>
+            </a:r>
+            <a:r>
+              <a:rPr lang="en-US" dirty="0"/>
+              <a:t>add your names)</a:t>
             </a:r>
           </a:p>
         </p:txBody>

--- a/Hospital Supply Analysis.pptx
+++ b/Hospital Supply Analysis.pptx
@@ -104,6 +104,11 @@
       </a:defRPr>
     </a:lvl9pPr>
   </p:defaultTextStyle>
+  <p:extLst>
+    <p:ext uri="{EFAFB233-063F-42B5-8137-9DF3F51BA10A}">
+      <p15:sldGuideLst xmlns:p15="http://schemas.microsoft.com/office/powerpoint/2012/main"/>
+    </p:ext>
+  </p:extLst>
 </p:presentation>
 </file>
 
@@ -254,7 +259,7 @@
           <a:p>
             <a:fld id="{2555646A-6C7C-4DAE-A91F-FFF06B197EE6}" type="datetimeFigureOut">
               <a:rPr lang="en-US" smtClean="0"/>
-              <a:t>12/7/2025</a:t>
+              <a:t>12/8/2025</a:t>
             </a:fld>
             <a:endParaRPr lang="en-US"/>
           </a:p>
@@ -452,7 +457,7 @@
           <a:p>
             <a:fld id="{2555646A-6C7C-4DAE-A91F-FFF06B197EE6}" type="datetimeFigureOut">
               <a:rPr lang="en-US" smtClean="0"/>
-              <a:t>12/7/2025</a:t>
+              <a:t>12/8/2025</a:t>
             </a:fld>
             <a:endParaRPr lang="en-US"/>
           </a:p>
@@ -660,7 +665,7 @@
           <a:p>
             <a:fld id="{2555646A-6C7C-4DAE-A91F-FFF06B197EE6}" type="datetimeFigureOut">
               <a:rPr lang="en-US" smtClean="0"/>
-              <a:t>12/7/2025</a:t>
+              <a:t>12/8/2025</a:t>
             </a:fld>
             <a:endParaRPr lang="en-US"/>
           </a:p>
@@ -858,7 +863,7 @@
           <a:p>
             <a:fld id="{2555646A-6C7C-4DAE-A91F-FFF06B197EE6}" type="datetimeFigureOut">
               <a:rPr lang="en-US" smtClean="0"/>
-              <a:t>12/7/2025</a:t>
+              <a:t>12/8/2025</a:t>
             </a:fld>
             <a:endParaRPr lang="en-US"/>
           </a:p>
@@ -1133,7 +1138,7 @@
           <a:p>
             <a:fld id="{2555646A-6C7C-4DAE-A91F-FFF06B197EE6}" type="datetimeFigureOut">
               <a:rPr lang="en-US" smtClean="0"/>
-              <a:t>12/7/2025</a:t>
+              <a:t>12/8/2025</a:t>
             </a:fld>
             <a:endParaRPr lang="en-US"/>
           </a:p>
@@ -1398,7 +1403,7 @@
           <a:p>
             <a:fld id="{2555646A-6C7C-4DAE-A91F-FFF06B197EE6}" type="datetimeFigureOut">
               <a:rPr lang="en-US" smtClean="0"/>
-              <a:t>12/7/2025</a:t>
+              <a:t>12/8/2025</a:t>
             </a:fld>
             <a:endParaRPr lang="en-US"/>
           </a:p>
@@ -1810,7 +1815,7 @@
           <a:p>
             <a:fld id="{2555646A-6C7C-4DAE-A91F-FFF06B197EE6}" type="datetimeFigureOut">
               <a:rPr lang="en-US" smtClean="0"/>
-              <a:t>12/7/2025</a:t>
+              <a:t>12/8/2025</a:t>
             </a:fld>
             <a:endParaRPr lang="en-US"/>
           </a:p>
@@ -1951,7 +1956,7 @@
           <a:p>
             <a:fld id="{2555646A-6C7C-4DAE-A91F-FFF06B197EE6}" type="datetimeFigureOut">
               <a:rPr lang="en-US" smtClean="0"/>
-              <a:t>12/7/2025</a:t>
+              <a:t>12/8/2025</a:t>
             </a:fld>
             <a:endParaRPr lang="en-US"/>
           </a:p>
@@ -2064,7 +2069,7 @@
           <a:p>
             <a:fld id="{2555646A-6C7C-4DAE-A91F-FFF06B197EE6}" type="datetimeFigureOut">
               <a:rPr lang="en-US" smtClean="0"/>
-              <a:t>12/7/2025</a:t>
+              <a:t>12/8/2025</a:t>
             </a:fld>
             <a:endParaRPr lang="en-US"/>
           </a:p>
@@ -2375,7 +2380,7 @@
           <a:p>
             <a:fld id="{2555646A-6C7C-4DAE-A91F-FFF06B197EE6}" type="datetimeFigureOut">
               <a:rPr lang="en-US" smtClean="0"/>
-              <a:t>12/7/2025</a:t>
+              <a:t>12/8/2025</a:t>
             </a:fld>
             <a:endParaRPr lang="en-US"/>
           </a:p>
@@ -2663,7 +2668,7 @@
           <a:p>
             <a:fld id="{2555646A-6C7C-4DAE-A91F-FFF06B197EE6}" type="datetimeFigureOut">
               <a:rPr lang="en-US" smtClean="0"/>
-              <a:t>12/7/2025</a:t>
+              <a:t>12/8/2025</a:t>
             </a:fld>
             <a:endParaRPr lang="en-US"/>
           </a:p>
@@ -2904,7 +2909,7 @@
           <a:p>
             <a:fld id="{2555646A-6C7C-4DAE-A91F-FFF06B197EE6}" type="datetimeFigureOut">
               <a:rPr lang="en-US" smtClean="0"/>
-              <a:t>12/7/2025</a:t>
+              <a:t>12/8/2025</a:t>
             </a:fld>
             <a:endParaRPr lang="en-US"/>
           </a:p>
@@ -3372,8 +3377,13 @@
           <a:p>
             <a:r>
               <a:rPr lang="en-US" dirty="0"/>
-              <a:t>By: Naveen Prabakar, (add your names)</a:t>
-            </a:r>
+              <a:t>By: Naveen Prabakar</a:t>
+            </a:r>
+            <a:r>
+              <a:rPr lang="en-US"/>
+              <a:t>, Ari Martono</a:t>
+            </a:r>
+            <a:endParaRPr lang="en-US" dirty="0"/>
           </a:p>
         </p:txBody>
       </p:sp>
